--- a/ECU Simulater_v001.pptx
+++ b/ECU Simulater_v001.pptx
@@ -8,6 +8,7 @@
     <p:sldId id="256" r:id="rId2"/>
     <p:sldId id="257" r:id="rId3"/>
     <p:sldId id="258" r:id="rId4"/>
+    <p:sldId id="259" r:id="rId5"/>
   </p:sldIdLst>
   <p:sldSz cx="12192000" cy="6858000"/>
   <p:notesSz cx="6858000" cy="9144000"/>
@@ -400,7 +401,7 @@
           <a:p>
             <a:fld id="{81A2BBE8-CCE5-4D74-96E8-D4044B762A59}" type="datetimeFigureOut">
               <a:rPr kumimoji="1" lang="ja-JP" altLang="en-US" smtClean="0"/>
-              <a:t>2025/10/2</a:t>
+              <a:t>2025/10/8</a:t>
             </a:fld>
             <a:endParaRPr kumimoji="1" lang="ja-JP" altLang="en-US"/>
           </a:p>
@@ -630,7 +631,7 @@
           <a:p>
             <a:fld id="{81A2BBE8-CCE5-4D74-96E8-D4044B762A59}" type="datetimeFigureOut">
               <a:rPr kumimoji="1" lang="ja-JP" altLang="en-US" smtClean="0"/>
-              <a:t>2025/10/2</a:t>
+              <a:t>2025/10/8</a:t>
             </a:fld>
             <a:endParaRPr kumimoji="1" lang="ja-JP" altLang="en-US"/>
           </a:p>
@@ -870,7 +871,7 @@
           <a:p>
             <a:fld id="{81A2BBE8-CCE5-4D74-96E8-D4044B762A59}" type="datetimeFigureOut">
               <a:rPr kumimoji="1" lang="ja-JP" altLang="en-US" smtClean="0"/>
-              <a:t>2025/10/2</a:t>
+              <a:t>2025/10/8</a:t>
             </a:fld>
             <a:endParaRPr kumimoji="1" lang="ja-JP" altLang="en-US"/>
           </a:p>
@@ -1100,7 +1101,7 @@
           <a:p>
             <a:fld id="{81A2BBE8-CCE5-4D74-96E8-D4044B762A59}" type="datetimeFigureOut">
               <a:rPr kumimoji="1" lang="ja-JP" altLang="en-US" smtClean="0"/>
-              <a:t>2025/10/2</a:t>
+              <a:t>2025/10/8</a:t>
             </a:fld>
             <a:endParaRPr kumimoji="1" lang="ja-JP" altLang="en-US"/>
           </a:p>
@@ -1375,7 +1376,7 @@
           <a:p>
             <a:fld id="{81A2BBE8-CCE5-4D74-96E8-D4044B762A59}" type="datetimeFigureOut">
               <a:rPr kumimoji="1" lang="ja-JP" altLang="en-US" smtClean="0"/>
-              <a:t>2025/10/2</a:t>
+              <a:t>2025/10/8</a:t>
             </a:fld>
             <a:endParaRPr kumimoji="1" lang="ja-JP" altLang="en-US"/>
           </a:p>
@@ -1704,7 +1705,7 @@
           <a:p>
             <a:fld id="{81A2BBE8-CCE5-4D74-96E8-D4044B762A59}" type="datetimeFigureOut">
               <a:rPr kumimoji="1" lang="ja-JP" altLang="en-US" smtClean="0"/>
-              <a:t>2025/10/2</a:t>
+              <a:t>2025/10/8</a:t>
             </a:fld>
             <a:endParaRPr kumimoji="1" lang="ja-JP" altLang="en-US"/>
           </a:p>
@@ -2180,7 +2181,7 @@
           <a:p>
             <a:fld id="{81A2BBE8-CCE5-4D74-96E8-D4044B762A59}" type="datetimeFigureOut">
               <a:rPr kumimoji="1" lang="ja-JP" altLang="en-US" smtClean="0"/>
-              <a:t>2025/10/2</a:t>
+              <a:t>2025/10/8</a:t>
             </a:fld>
             <a:endParaRPr kumimoji="1" lang="ja-JP" altLang="en-US"/>
           </a:p>
@@ -2321,7 +2322,7 @@
           <a:p>
             <a:fld id="{81A2BBE8-CCE5-4D74-96E8-D4044B762A59}" type="datetimeFigureOut">
               <a:rPr kumimoji="1" lang="ja-JP" altLang="en-US" smtClean="0"/>
-              <a:t>2025/10/2</a:t>
+              <a:t>2025/10/8</a:t>
             </a:fld>
             <a:endParaRPr kumimoji="1" lang="ja-JP" altLang="en-US"/>
           </a:p>
@@ -2434,7 +2435,7 @@
           <a:p>
             <a:fld id="{81A2BBE8-CCE5-4D74-96E8-D4044B762A59}" type="datetimeFigureOut">
               <a:rPr kumimoji="1" lang="ja-JP" altLang="en-US" smtClean="0"/>
-              <a:t>2025/10/2</a:t>
+              <a:t>2025/10/8</a:t>
             </a:fld>
             <a:endParaRPr kumimoji="1" lang="ja-JP" altLang="en-US"/>
           </a:p>
@@ -2777,7 +2778,7 @@
           <a:p>
             <a:fld id="{81A2BBE8-CCE5-4D74-96E8-D4044B762A59}" type="datetimeFigureOut">
               <a:rPr kumimoji="1" lang="ja-JP" altLang="en-US" smtClean="0"/>
-              <a:t>2025/10/2</a:t>
+              <a:t>2025/10/8</a:t>
             </a:fld>
             <a:endParaRPr kumimoji="1" lang="ja-JP" altLang="en-US"/>
           </a:p>
@@ -3065,7 +3066,7 @@
           <a:p>
             <a:fld id="{81A2BBE8-CCE5-4D74-96E8-D4044B762A59}" type="datetimeFigureOut">
               <a:rPr kumimoji="1" lang="ja-JP" altLang="en-US" smtClean="0"/>
-              <a:t>2025/10/2</a:t>
+              <a:t>2025/10/8</a:t>
             </a:fld>
             <a:endParaRPr kumimoji="1" lang="ja-JP" altLang="en-US"/>
           </a:p>
@@ -3338,7 +3339,7 @@
           <a:p>
             <a:fld id="{81A2BBE8-CCE5-4D74-96E8-D4044B762A59}" type="datetimeFigureOut">
               <a:rPr kumimoji="1" lang="ja-JP" altLang="en-US" smtClean="0"/>
-              <a:t>2025/10/2</a:t>
+              <a:t>2025/10/8</a:t>
             </a:fld>
             <a:endParaRPr kumimoji="1" lang="ja-JP" altLang="en-US"/>
           </a:p>
@@ -4223,6 +4224,141 @@
 </p:sld>
 </file>
 
+<file path=ppt/slides/slide4.xml><?xml version="1.0" encoding="utf-8"?>
+<p:sld xmlns:a="http://schemas.openxmlformats.org/drawingml/2006/main" xmlns:r="http://schemas.openxmlformats.org/officeDocument/2006/relationships" xmlns:p="http://schemas.openxmlformats.org/presentationml/2006/main">
+  <p:cSld>
+    <p:spTree>
+      <p:nvGrpSpPr>
+        <p:cNvPr id="1" name=""/>
+        <p:cNvGrpSpPr/>
+        <p:nvPr/>
+      </p:nvGrpSpPr>
+      <p:grpSpPr>
+        <a:xfrm>
+          <a:off x="0" y="0"/>
+          <a:ext cx="0" cy="0"/>
+          <a:chOff x="0" y="0"/>
+          <a:chExt cx="0" cy="0"/>
+        </a:xfrm>
+      </p:grpSpPr>
+      <p:sp>
+        <p:nvSpPr>
+          <p:cNvPr id="2" name="タイトル 1">
+            <a:extLst>
+              <a:ext uri="{FF2B5EF4-FFF2-40B4-BE49-F238E27FC236}">
+                <a16:creationId xmlns:a16="http://schemas.microsoft.com/office/drawing/2014/main" id="{774B3488-E692-5240-0C2F-AB7BB27C8BD8}"/>
+              </a:ext>
+            </a:extLst>
+          </p:cNvPr>
+          <p:cNvSpPr>
+            <a:spLocks noGrp="1"/>
+          </p:cNvSpPr>
+          <p:nvPr>
+            <p:ph type="title"/>
+          </p:nvPr>
+        </p:nvSpPr>
+        <p:spPr/>
+        <p:txBody>
+          <a:bodyPr/>
+          <a:lstStyle/>
+          <a:p>
+            <a:r>
+              <a:rPr kumimoji="1" lang="en-US" altLang="ja-JP" dirty="0"/>
+              <a:t>Todo</a:t>
+            </a:r>
+            <a:endParaRPr kumimoji="1" lang="ja-JP" altLang="en-US" dirty="0"/>
+          </a:p>
+        </p:txBody>
+      </p:sp>
+      <p:sp>
+        <p:nvSpPr>
+          <p:cNvPr id="3" name="コンテンツ プレースホルダー 2">
+            <a:extLst>
+              <a:ext uri="{FF2B5EF4-FFF2-40B4-BE49-F238E27FC236}">
+                <a16:creationId xmlns:a16="http://schemas.microsoft.com/office/drawing/2014/main" id="{F75293C9-C0CF-597B-CCAA-5EE38813982F}"/>
+              </a:ext>
+            </a:extLst>
+          </p:cNvPr>
+          <p:cNvSpPr>
+            <a:spLocks noGrp="1"/>
+          </p:cNvSpPr>
+          <p:nvPr>
+            <p:ph idx="1"/>
+          </p:nvPr>
+        </p:nvSpPr>
+        <p:spPr/>
+        <p:txBody>
+          <a:bodyPr/>
+          <a:lstStyle/>
+          <a:p>
+            <a:r>
+              <a:rPr kumimoji="1" lang="en-US" altLang="ja-JP" dirty="0"/>
+              <a:t>1.ECU</a:t>
+            </a:r>
+            <a:r>
+              <a:rPr lang="ja-JP" altLang="en-US" dirty="0"/>
+              <a:t>はメッセージをもらうことを表示</a:t>
+            </a:r>
+            <a:endParaRPr kumimoji="1" lang="en-US" altLang="ja-JP" dirty="0"/>
+          </a:p>
+          <a:p>
+            <a:r>
+              <a:rPr lang="en-US" altLang="ja-JP" dirty="0"/>
+              <a:t>2.GUI</a:t>
+            </a:r>
+            <a:r>
+              <a:rPr lang="ja-JP" altLang="en-US" dirty="0"/>
+              <a:t>の作成</a:t>
+            </a:r>
+            <a:endParaRPr lang="en-US" altLang="ja-JP" dirty="0"/>
+          </a:p>
+          <a:p>
+            <a:r>
+              <a:rPr kumimoji="1" lang="en-US" altLang="ja-JP" dirty="0"/>
+              <a:t>3.GUI</a:t>
+            </a:r>
+            <a:r>
+              <a:rPr kumimoji="1" lang="ja-JP" altLang="en-US" dirty="0"/>
+              <a:t>で電源の</a:t>
+            </a:r>
+            <a:r>
+              <a:rPr kumimoji="1" lang="en-US" altLang="ja-JP" dirty="0"/>
+              <a:t>ON/OFF</a:t>
+            </a:r>
+            <a:r>
+              <a:rPr lang="ja-JP" altLang="en-US" dirty="0"/>
+              <a:t>を調整</a:t>
+            </a:r>
+            <a:endParaRPr lang="en-US" altLang="ja-JP" dirty="0"/>
+          </a:p>
+          <a:p>
+            <a:pPr marL="457200" lvl="1" indent="0">
+              <a:buNone/>
+            </a:pPr>
+            <a:r>
+              <a:rPr kumimoji="1" lang="en-US" altLang="ja-JP"/>
+              <a:t> GUI</a:t>
+            </a:r>
+            <a:r>
+              <a:rPr kumimoji="1" lang="ja-JP" altLang="en-US" dirty="0"/>
+              <a:t>でテスターとしてメッセージを送る</a:t>
+            </a:r>
+          </a:p>
+        </p:txBody>
+      </p:sp>
+    </p:spTree>
+    <p:extLst>
+      <p:ext uri="{BB962C8B-B14F-4D97-AF65-F5344CB8AC3E}">
+        <p14:creationId xmlns:p14="http://schemas.microsoft.com/office/powerpoint/2010/main" val="1434682337"/>
+      </p:ext>
+    </p:extLst>
+  </p:cSld>
+  <p:clrMapOvr>
+    <a:masterClrMapping/>
+  </p:clrMapOvr>
+</p:sld>
+</file>
+
 <file path=ppt/theme/theme1.xml><?xml version="1.0" encoding="utf-8"?>
 <a:theme xmlns:a="http://schemas.openxmlformats.org/drawingml/2006/main" name="Office テーマ">
   <a:themeElements>

--- a/ECU Simulater_v001.pptx
+++ b/ECU Simulater_v001.pptx
@@ -9,6 +9,7 @@
     <p:sldId id="257" r:id="rId3"/>
     <p:sldId id="258" r:id="rId4"/>
     <p:sldId id="259" r:id="rId5"/>
+    <p:sldId id="260" r:id="rId6"/>
   </p:sldIdLst>
   <p:sldSz cx="12192000" cy="6858000"/>
   <p:notesSz cx="6858000" cy="9144000"/>
@@ -4359,6 +4360,71 @@
 </p:sld>
 </file>
 
+<file path=ppt/slides/slide5.xml><?xml version="1.0" encoding="utf-8"?>
+<p:sld xmlns:a="http://schemas.openxmlformats.org/drawingml/2006/main" xmlns:r="http://schemas.openxmlformats.org/officeDocument/2006/relationships" xmlns:p="http://schemas.openxmlformats.org/presentationml/2006/main">
+  <p:cSld>
+    <p:spTree>
+      <p:nvGrpSpPr>
+        <p:cNvPr id="1" name=""/>
+        <p:cNvGrpSpPr/>
+        <p:nvPr/>
+      </p:nvGrpSpPr>
+      <p:grpSpPr>
+        <a:xfrm>
+          <a:off x="0" y="0"/>
+          <a:ext cx="0" cy="0"/>
+          <a:chOff x="0" y="0"/>
+          <a:chExt cx="0" cy="0"/>
+        </a:xfrm>
+      </p:grpSpPr>
+      <p:pic>
+        <p:nvPicPr>
+          <p:cNvPr id="5" name="図 4">
+            <a:extLst>
+              <a:ext uri="{FF2B5EF4-FFF2-40B4-BE49-F238E27FC236}">
+                <a16:creationId xmlns:a16="http://schemas.microsoft.com/office/drawing/2014/main" id="{E8D65C30-5406-C846-ADD3-F94E830D1643}"/>
+              </a:ext>
+            </a:extLst>
+          </p:cNvPr>
+          <p:cNvPicPr>
+            <a:picLocks noChangeAspect="1"/>
+          </p:cNvPicPr>
+          <p:nvPr/>
+        </p:nvPicPr>
+        <p:blipFill>
+          <a:blip r:embed="rId2">
+            <a:extLst>
+              <a:ext uri="{28A0092B-C50C-407E-A947-70E740481C1C}">
+                <a14:useLocalDpi xmlns:a14="http://schemas.microsoft.com/office/drawing/2010/main" val="0"/>
+              </a:ext>
+            </a:extLst>
+          </a:blip>
+          <a:srcRect/>
+          <a:stretch/>
+        </p:blipFill>
+        <p:spPr>
+          <a:xfrm>
+            <a:off x="21021" y="759372"/>
+            <a:ext cx="12149958" cy="5339255"/>
+          </a:xfrm>
+          <a:prstGeom prst="rect">
+            <a:avLst/>
+          </a:prstGeom>
+        </p:spPr>
+      </p:pic>
+    </p:spTree>
+    <p:extLst>
+      <p:ext uri="{BB962C8B-B14F-4D97-AF65-F5344CB8AC3E}">
+        <p14:creationId xmlns:p14="http://schemas.microsoft.com/office/powerpoint/2010/main" val="3983709249"/>
+      </p:ext>
+    </p:extLst>
+  </p:cSld>
+  <p:clrMapOvr>
+    <a:masterClrMapping/>
+  </p:clrMapOvr>
+</p:sld>
+</file>
+
 <file path=ppt/theme/theme1.xml><?xml version="1.0" encoding="utf-8"?>
 <a:theme xmlns:a="http://schemas.openxmlformats.org/drawingml/2006/main" name="Office テーマ">
   <a:themeElements>

--- a/ECU Simulater_v001.pptx
+++ b/ECU Simulater_v001.pptx
@@ -10,6 +10,7 @@
     <p:sldId id="258" r:id="rId4"/>
     <p:sldId id="259" r:id="rId5"/>
     <p:sldId id="260" r:id="rId6"/>
+    <p:sldId id="261" r:id="rId7"/>
   </p:sldIdLst>
   <p:sldSz cx="12192000" cy="6858000"/>
   <p:notesSz cx="6858000" cy="9144000"/>
@@ -4404,7 +4405,7 @@
         </p:blipFill>
         <p:spPr>
           <a:xfrm>
-            <a:off x="21021" y="759372"/>
+            <a:off x="371331" y="-983191"/>
             <a:ext cx="12149958" cy="5339255"/>
           </a:xfrm>
           <a:prstGeom prst="rect">
@@ -4416,6 +4417,128 @@
     <p:extLst>
       <p:ext uri="{BB962C8B-B14F-4D97-AF65-F5344CB8AC3E}">
         <p14:creationId xmlns:p14="http://schemas.microsoft.com/office/powerpoint/2010/main" val="3983709249"/>
+      </p:ext>
+    </p:extLst>
+  </p:cSld>
+  <p:clrMapOvr>
+    <a:masterClrMapping/>
+  </p:clrMapOvr>
+</p:sld>
+</file>
+
+<file path=ppt/slides/slide6.xml><?xml version="1.0" encoding="utf-8"?>
+<p:sld xmlns:a="http://schemas.openxmlformats.org/drawingml/2006/main" xmlns:r="http://schemas.openxmlformats.org/officeDocument/2006/relationships" xmlns:p="http://schemas.openxmlformats.org/presentationml/2006/main">
+  <p:cSld>
+    <p:spTree>
+      <p:nvGrpSpPr>
+        <p:cNvPr id="1" name=""/>
+        <p:cNvGrpSpPr/>
+        <p:nvPr/>
+      </p:nvGrpSpPr>
+      <p:grpSpPr>
+        <a:xfrm>
+          <a:off x="0" y="0"/>
+          <a:ext cx="0" cy="0"/>
+          <a:chOff x="0" y="0"/>
+          <a:chExt cx="0" cy="0"/>
+        </a:xfrm>
+      </p:grpSpPr>
+      <p:sp>
+        <p:nvSpPr>
+          <p:cNvPr id="2" name="タイトル 1">
+            <a:extLst>
+              <a:ext uri="{FF2B5EF4-FFF2-40B4-BE49-F238E27FC236}">
+                <a16:creationId xmlns:a16="http://schemas.microsoft.com/office/drawing/2014/main" id="{EEA0BDC1-BEAB-EA38-C30E-7ABBC7A5DFA0}"/>
+              </a:ext>
+            </a:extLst>
+          </p:cNvPr>
+          <p:cNvSpPr>
+            <a:spLocks noGrp="1"/>
+          </p:cNvSpPr>
+          <p:nvPr>
+            <p:ph type="title"/>
+          </p:nvPr>
+        </p:nvSpPr>
+        <p:spPr/>
+        <p:txBody>
+          <a:bodyPr/>
+          <a:lstStyle/>
+          <a:p>
+            <a:r>
+              <a:rPr kumimoji="1" lang="en-US" altLang="ja-JP" dirty="0"/>
+              <a:t>Todo</a:t>
+            </a:r>
+            <a:endParaRPr kumimoji="1" lang="ja-JP" altLang="en-US" dirty="0"/>
+          </a:p>
+        </p:txBody>
+      </p:sp>
+      <p:sp>
+        <p:nvSpPr>
+          <p:cNvPr id="3" name="コンテンツ プレースホルダー 2">
+            <a:extLst>
+              <a:ext uri="{FF2B5EF4-FFF2-40B4-BE49-F238E27FC236}">
+                <a16:creationId xmlns:a16="http://schemas.microsoft.com/office/drawing/2014/main" id="{036F0ED7-6520-6D17-0E46-B40D382CD4FA}"/>
+              </a:ext>
+            </a:extLst>
+          </p:cNvPr>
+          <p:cNvSpPr>
+            <a:spLocks noGrp="1"/>
+          </p:cNvSpPr>
+          <p:nvPr>
+            <p:ph idx="1"/>
+          </p:nvPr>
+        </p:nvSpPr>
+        <p:spPr/>
+        <p:txBody>
+          <a:bodyPr/>
+          <a:lstStyle/>
+          <a:p>
+            <a:r>
+              <a:rPr kumimoji="1" lang="en-US" altLang="ja-JP" dirty="0"/>
+              <a:t>1.security</a:t>
+            </a:r>
+            <a:r>
+              <a:rPr kumimoji="1" lang="ja-JP" altLang="en-US" dirty="0"/>
+              <a:t>の解除ボタン</a:t>
+            </a:r>
+            <a:endParaRPr kumimoji="1" lang="en-US" altLang="ja-JP" dirty="0"/>
+          </a:p>
+          <a:p>
+            <a:r>
+              <a:rPr lang="en-US" altLang="ja-JP" dirty="0"/>
+              <a:t>2.ECU</a:t>
+            </a:r>
+            <a:r>
+              <a:rPr lang="ja-JP" altLang="en-US" dirty="0"/>
+              <a:t>の</a:t>
+            </a:r>
+            <a:r>
+              <a:rPr lang="en-US" altLang="ja-JP" dirty="0"/>
+              <a:t>security</a:t>
+            </a:r>
+            <a:r>
+              <a:rPr lang="ja-JP" altLang="en-US" dirty="0"/>
+              <a:t>状態と</a:t>
+            </a:r>
+            <a:r>
+              <a:rPr lang="en-US" altLang="ja-JP" dirty="0"/>
+              <a:t>session</a:t>
+            </a:r>
+            <a:r>
+              <a:rPr lang="ja-JP" altLang="en-US" dirty="0"/>
+              <a:t>状態を表示する</a:t>
+            </a:r>
+            <a:endParaRPr lang="en-US" altLang="ja-JP" dirty="0"/>
+          </a:p>
+          <a:p>
+            <a:endParaRPr kumimoji="1" lang="ja-JP" altLang="en-US" dirty="0"/>
+          </a:p>
+        </p:txBody>
+      </p:sp>
+    </p:spTree>
+    <p:extLst>
+      <p:ext uri="{BB962C8B-B14F-4D97-AF65-F5344CB8AC3E}">
+        <p14:creationId xmlns:p14="http://schemas.microsoft.com/office/powerpoint/2010/main" val="1562932896"/>
       </p:ext>
     </p:extLst>
   </p:cSld>

--- a/ECU Simulater_v001.pptx
+++ b/ECU Simulater_v001.pptx
@@ -4499,7 +4499,7 @@
             </a:r>
             <a:r>
               <a:rPr kumimoji="1" lang="ja-JP" altLang="en-US" dirty="0"/>
-              <a:t>の解除ボタン</a:t>
+              <a:t>の解除ボタン 　→　○</a:t>
             </a:r>
             <a:endParaRPr kumimoji="1" lang="en-US" altLang="ja-JP" dirty="0"/>
           </a:p>
@@ -4527,6 +4527,29 @@
             <a:r>
               <a:rPr lang="ja-JP" altLang="en-US" dirty="0"/>
               <a:t>状態を表示する</a:t>
+            </a:r>
+            <a:r>
+              <a:rPr kumimoji="1" lang="ja-JP" altLang="en-US" dirty="0"/>
+              <a:t>　→　○</a:t>
+            </a:r>
+            <a:endParaRPr kumimoji="1" lang="en-US" altLang="ja-JP" dirty="0"/>
+          </a:p>
+          <a:p>
+            <a:r>
+              <a:rPr lang="en-US" altLang="ja-JP" dirty="0"/>
+              <a:t>3.SID</a:t>
+            </a:r>
+            <a:r>
+              <a:rPr lang="en-US" altLang="ja-JP"/>
+              <a:t>$14 ClearDiagnosticInformation</a:t>
+            </a:r>
+            <a:r>
+              <a:rPr lang="en-US" altLang="ja-JP" dirty="0"/>
+              <a:t> </a:t>
+            </a:r>
+            <a:r>
+              <a:rPr lang="ja-JP" altLang="en-US" dirty="0"/>
+              <a:t>サービス</a:t>
             </a:r>
             <a:endParaRPr lang="en-US" altLang="ja-JP" dirty="0"/>
           </a:p>
